--- a/CM-Not-So-Chubby_E2.pptx
+++ b/CM-Not-So-Chubby_E2.pptx
@@ -7877,7 +7877,7 @@
           <a:lstStyle/>
           <a:p>
             <a:pPr algn="ctr"/>
-            <a:endParaRPr lang="pt-PT"/>
+            <a:endParaRPr lang="pt-PT" dirty="0"/>
           </a:p>
         </p:txBody>
       </p:sp>
@@ -7973,7 +7973,7 @@
         </p:blipFill>
         <p:spPr>
           <a:xfrm>
-            <a:off x="3252327" y="1177537"/>
+            <a:off x="838200" y="1159907"/>
             <a:ext cx="4876800" cy="4876800"/>
           </a:xfrm>
           <a:prstGeom prst="rect">
@@ -7989,7 +7989,7 @@
         </p:nvSpPr>
         <p:spPr>
           <a:xfrm>
-            <a:off x="7015877" y="5667375"/>
+            <a:off x="4823395" y="5591654"/>
             <a:ext cx="3091103" cy="369332"/>
           </a:xfrm>
           <a:prstGeom prst="rect">
@@ -8010,6 +8010,66 @@
             <a:r>
               <a:rPr lang="pt-PT" dirty="0" err="1" smtClean="0"/>
               <a:t>Chubby</a:t>
+            </a:r>
+            <a:endParaRPr lang="pt-PT" dirty="0"/>
+          </a:p>
+        </p:txBody>
+      </p:sp>
+      <p:pic>
+        <p:nvPicPr>
+          <p:cNvPr id="11" name="Imagem 10"/>
+          <p:cNvPicPr>
+            <a:picLocks noChangeAspect="1"/>
+          </p:cNvPicPr>
+          <p:nvPr/>
+        </p:nvPicPr>
+        <p:blipFill>
+          <a:blip r:embed="rId3">
+            <a:extLst>
+              <a:ext uri="{28A0092B-C50C-407E-A947-70E740481C1C}">
+                <a14:useLocalDpi xmlns:a14="http://schemas.microsoft.com/office/drawing/2010/main" val="0"/>
+              </a:ext>
+            </a:extLst>
+          </a:blip>
+          <a:stretch>
+            <a:fillRect/>
+          </a:stretch>
+        </p:blipFill>
+        <p:spPr>
+          <a:xfrm>
+            <a:off x="8278180" y="2622951"/>
+            <a:ext cx="2388177" cy="2388177"/>
+          </a:xfrm>
+          <a:prstGeom prst="rect">
+            <a:avLst/>
+          </a:prstGeom>
+        </p:spPr>
+      </p:pic>
+      <p:sp>
+        <p:nvSpPr>
+          <p:cNvPr id="12" name="CaixaDeTexto 11"/>
+          <p:cNvSpPr txBox="1"/>
+          <p:nvPr/>
+        </p:nvSpPr>
+        <p:spPr>
+          <a:xfrm>
+            <a:off x="5272513" y="1951780"/>
+            <a:ext cx="6523774" cy="369332"/>
+          </a:xfrm>
+          <a:prstGeom prst="rect">
+            <a:avLst/>
+          </a:prstGeom>
+          <a:noFill/>
+        </p:spPr>
+        <p:txBody>
+          <a:bodyPr wrap="none" rtlCol="0">
+            <a:spAutoFit/>
+          </a:bodyPr>
+          <a:lstStyle/>
+          <a:p>
+            <a:r>
+              <a:rPr lang="pt-PT" dirty="0" smtClean="0"/>
+              <a:t>Inspirado no animal de estimação de um dos elementos do grupo</a:t>
             </a:r>
             <a:endParaRPr lang="pt-PT" dirty="0"/>
           </a:p>

--- a/CM-Not-So-Chubby_E2.pptx
+++ b/CM-Not-So-Chubby_E2.pptx
@@ -3818,7 +3818,7 @@
       </p:grpSpPr>
       <p:pic>
         <p:nvPicPr>
-          <p:cNvPr id="3" name="Imagem 2"/>
+          <p:cNvPr id="12" name="Imagem 11"/>
           <p:cNvPicPr>
             <a:picLocks noChangeAspect="1"/>
           </p:cNvPicPr>
@@ -3838,8 +3838,8 @@
         </p:blipFill>
         <p:spPr>
           <a:xfrm>
-            <a:off x="4790114" y="2944106"/>
-            <a:ext cx="1724025" cy="1724025"/>
+            <a:off x="4769332" y="2916664"/>
+            <a:ext cx="1772251" cy="1772251"/>
           </a:xfrm>
           <a:prstGeom prst="rect">
             <a:avLst/>
@@ -4684,6 +4684,13 @@
   <p:clrMapOvr>
     <a:masterClrMapping/>
   </p:clrMapOvr>
+  <p:timing>
+    <p:tnLst>
+      <p:par>
+        <p:cTn id="1" dur="indefinite" restart="never" nodeType="tmRoot"/>
+      </p:par>
+    </p:tnLst>
+  </p:timing>
 </p:sld>
 </file>
 
@@ -7951,9 +7958,43 @@
           </a:fontRef>
         </p:style>
       </p:cxnSp>
+      <p:sp>
+        <p:nvSpPr>
+          <p:cNvPr id="6" name="CaixaDeTexto 5"/>
+          <p:cNvSpPr txBox="1"/>
+          <p:nvPr/>
+        </p:nvSpPr>
+        <p:spPr>
+          <a:xfrm>
+            <a:off x="4823395" y="5591654"/>
+            <a:ext cx="3091103" cy="369332"/>
+          </a:xfrm>
+          <a:prstGeom prst="rect">
+            <a:avLst/>
+          </a:prstGeom>
+          <a:noFill/>
+        </p:spPr>
+        <p:txBody>
+          <a:bodyPr wrap="none" rtlCol="0">
+            <a:spAutoFit/>
+          </a:bodyPr>
+          <a:lstStyle/>
+          <a:p>
+            <a:r>
+              <a:rPr lang="pt-PT" dirty="0" smtClean="0"/>
+              <a:t>Mascote da aplicação - </a:t>
+            </a:r>
+            <a:r>
+              <a:rPr lang="pt-PT" dirty="0" err="1" smtClean="0"/>
+              <a:t>Chubby</a:t>
+            </a:r>
+            <a:endParaRPr lang="pt-PT" dirty="0"/>
+          </a:p>
+        </p:txBody>
+      </p:sp>
       <p:pic>
         <p:nvPicPr>
-          <p:cNvPr id="5" name="Imagem 4"/>
+          <p:cNvPr id="11" name="Imagem 10"/>
           <p:cNvPicPr>
             <a:picLocks noChangeAspect="1"/>
           </p:cNvPicPr>
@@ -7973,8 +8014,8 @@
         </p:blipFill>
         <p:spPr>
           <a:xfrm>
-            <a:off x="838200" y="1159907"/>
-            <a:ext cx="4876800" cy="4876800"/>
+            <a:off x="8278180" y="2622951"/>
+            <a:ext cx="2388177" cy="2388177"/>
           </a:xfrm>
           <a:prstGeom prst="rect">
             <a:avLst/>
@@ -7983,14 +8024,14 @@
       </p:pic>
       <p:sp>
         <p:nvSpPr>
-          <p:cNvPr id="6" name="CaixaDeTexto 5"/>
+          <p:cNvPr id="12" name="CaixaDeTexto 11"/>
           <p:cNvSpPr txBox="1"/>
           <p:nvPr/>
         </p:nvSpPr>
         <p:spPr>
           <a:xfrm>
-            <a:off x="4823395" y="5591654"/>
-            <a:ext cx="3091103" cy="369332"/>
+            <a:off x="5272513" y="1951780"/>
+            <a:ext cx="6523774" cy="369332"/>
           </a:xfrm>
           <a:prstGeom prst="rect">
             <a:avLst/>
@@ -8005,11 +8046,7 @@
           <a:p>
             <a:r>
               <a:rPr lang="pt-PT" dirty="0" smtClean="0"/>
-              <a:t>Mascote da aplicação - </a:t>
-            </a:r>
-            <a:r>
-              <a:rPr lang="pt-PT" dirty="0" err="1" smtClean="0"/>
-              <a:t>Chubby</a:t>
+              <a:t>Inspirado no animal de estimação de um dos elementos do grupo</a:t>
             </a:r>
             <a:endParaRPr lang="pt-PT" dirty="0"/>
           </a:p>
@@ -8017,7 +8054,7 @@
       </p:sp>
       <p:pic>
         <p:nvPicPr>
-          <p:cNvPr id="11" name="Imagem 10"/>
+          <p:cNvPr id="13" name="Imagem 12"/>
           <p:cNvPicPr>
             <a:picLocks noChangeAspect="1"/>
           </p:cNvPicPr>
@@ -8037,44 +8074,14 @@
         </p:blipFill>
         <p:spPr>
           <a:xfrm>
-            <a:off x="8278180" y="2622951"/>
-            <a:ext cx="2388177" cy="2388177"/>
+            <a:off x="710363" y="1170958"/>
+            <a:ext cx="4979560" cy="4979560"/>
           </a:xfrm>
           <a:prstGeom prst="rect">
             <a:avLst/>
           </a:prstGeom>
         </p:spPr>
       </p:pic>
-      <p:sp>
-        <p:nvSpPr>
-          <p:cNvPr id="12" name="CaixaDeTexto 11"/>
-          <p:cNvSpPr txBox="1"/>
-          <p:nvPr/>
-        </p:nvSpPr>
-        <p:spPr>
-          <a:xfrm>
-            <a:off x="5272513" y="1951780"/>
-            <a:ext cx="6523774" cy="369332"/>
-          </a:xfrm>
-          <a:prstGeom prst="rect">
-            <a:avLst/>
-          </a:prstGeom>
-          <a:noFill/>
-        </p:spPr>
-        <p:txBody>
-          <a:bodyPr wrap="none" rtlCol="0">
-            <a:spAutoFit/>
-          </a:bodyPr>
-          <a:lstStyle/>
-          <a:p>
-            <a:r>
-              <a:rPr lang="pt-PT" dirty="0" smtClean="0"/>
-              <a:t>Inspirado no animal de estimação de um dos elementos do grupo</a:t>
-            </a:r>
-            <a:endParaRPr lang="pt-PT" dirty="0"/>
-          </a:p>
-        </p:txBody>
-      </p:sp>
     </p:spTree>
     <p:extLst>
       <p:ext uri="{BB962C8B-B14F-4D97-AF65-F5344CB8AC3E}">
